--- a/Git it - RUG workshop.pptx
+++ b/Git it - RUG workshop.pptx
@@ -5,7 +5,7 @@
     <p:sldMasterId id="2147483648" r:id="rId1"/>
   </p:sldMasterIdLst>
   <p:notesMasterIdLst>
-    <p:notesMasterId r:id="rId19"/>
+    <p:notesMasterId r:id="rId20"/>
   </p:notesMasterIdLst>
   <p:sldIdLst>
     <p:sldId id="256" r:id="rId2"/>
@@ -17,14 +17,15 @@
     <p:sldId id="270" r:id="rId8"/>
     <p:sldId id="262" r:id="rId9"/>
     <p:sldId id="263" r:id="rId10"/>
-    <p:sldId id="269" r:id="rId11"/>
-    <p:sldId id="266" r:id="rId12"/>
-    <p:sldId id="264" r:id="rId13"/>
-    <p:sldId id="273" r:id="rId14"/>
-    <p:sldId id="271" r:id="rId15"/>
-    <p:sldId id="272" r:id="rId16"/>
-    <p:sldId id="265" r:id="rId17"/>
-    <p:sldId id="268" r:id="rId18"/>
+    <p:sldId id="274" r:id="rId11"/>
+    <p:sldId id="269" r:id="rId12"/>
+    <p:sldId id="266" r:id="rId13"/>
+    <p:sldId id="264" r:id="rId14"/>
+    <p:sldId id="273" r:id="rId15"/>
+    <p:sldId id="271" r:id="rId16"/>
+    <p:sldId id="272" r:id="rId17"/>
+    <p:sldId id="265" r:id="rId18"/>
+    <p:sldId id="268" r:id="rId19"/>
   </p:sldIdLst>
   <p:sldSz cx="12192000" cy="6858000"/>
   <p:notesSz cx="6858000" cy="9144000"/>
@@ -236,7 +237,7 @@
           <a:p>
             <a:fld id="{C1B12CE9-85C3-4CC7-8D4D-A288FA81F122}" type="datetimeFigureOut">
               <a:rPr lang="en-AU" smtClean="0"/>
-              <a:t>21/10/2020</a:t>
+              <a:t>22/10/2020</a:t>
             </a:fld>
             <a:endParaRPr lang="en-AU"/>
           </a:p>
@@ -1000,6 +1001,90 @@
     <p:extLst>
       <p:ext uri="{BB962C8B-B14F-4D97-AF65-F5344CB8AC3E}">
         <p14:creationId xmlns:p14="http://schemas.microsoft.com/office/powerpoint/2010/main" val="1826311339"/>
+      </p:ext>
+    </p:extLst>
+  </p:cSld>
+  <p:clrMapOvr>
+    <a:masterClrMapping/>
+  </p:clrMapOvr>
+</p:notes>
+</file>
+
+<file path=ppt/notesSlides/notesSlide5.xml><?xml version="1.0" encoding="utf-8"?>
+<p:notes xmlns:a="http://schemas.openxmlformats.org/drawingml/2006/main" xmlns:r="http://schemas.openxmlformats.org/officeDocument/2006/relationships" xmlns:p="http://schemas.openxmlformats.org/presentationml/2006/main">
+  <p:cSld>
+    <p:spTree>
+      <p:nvGrpSpPr>
+        <p:cNvPr id="1" name=""/>
+        <p:cNvGrpSpPr/>
+        <p:nvPr/>
+      </p:nvGrpSpPr>
+      <p:grpSpPr>
+        <a:xfrm>
+          <a:off x="0" y="0"/>
+          <a:ext cx="0" cy="0"/>
+          <a:chOff x="0" y="0"/>
+          <a:chExt cx="0" cy="0"/>
+        </a:xfrm>
+      </p:grpSpPr>
+      <p:sp>
+        <p:nvSpPr>
+          <p:cNvPr id="2" name="Slide Image Placeholder 1"/>
+          <p:cNvSpPr>
+            <a:spLocks noGrp="1" noRot="1" noChangeAspect="1"/>
+          </p:cNvSpPr>
+          <p:nvPr>
+            <p:ph type="sldImg"/>
+          </p:nvPr>
+        </p:nvSpPr>
+        <p:spPr/>
+      </p:sp>
+      <p:sp>
+        <p:nvSpPr>
+          <p:cNvPr id="3" name="Notes Placeholder 2"/>
+          <p:cNvSpPr>
+            <a:spLocks noGrp="1"/>
+          </p:cNvSpPr>
+          <p:nvPr>
+            <p:ph type="body" idx="1"/>
+          </p:nvPr>
+        </p:nvSpPr>
+        <p:spPr/>
+        <p:txBody>
+          <a:bodyPr/>
+          <a:lstStyle/>
+          <a:p>
+            <a:endParaRPr lang="en-AU"/>
+          </a:p>
+        </p:txBody>
+      </p:sp>
+      <p:sp>
+        <p:nvSpPr>
+          <p:cNvPr id="4" name="Slide Number Placeholder 3"/>
+          <p:cNvSpPr>
+            <a:spLocks noGrp="1"/>
+          </p:cNvSpPr>
+          <p:nvPr>
+            <p:ph type="sldNum" sz="quarter" idx="5"/>
+          </p:nvPr>
+        </p:nvSpPr>
+        <p:spPr/>
+        <p:txBody>
+          <a:bodyPr/>
+          <a:lstStyle/>
+          <a:p>
+            <a:fld id="{71430CD1-B778-43D8-9C2B-D5F6A4EE3952}" type="slidenum">
+              <a:rPr lang="en-AU" smtClean="0"/>
+              <a:t>10</a:t>
+            </a:fld>
+            <a:endParaRPr lang="en-AU"/>
+          </a:p>
+        </p:txBody>
+      </p:sp>
+    </p:spTree>
+    <p:extLst>
+      <p:ext uri="{BB962C8B-B14F-4D97-AF65-F5344CB8AC3E}">
+        <p14:creationId xmlns:p14="http://schemas.microsoft.com/office/powerpoint/2010/main" val="1646814094"/>
       </p:ext>
     </p:extLst>
   </p:cSld>
@@ -5291,7 +5376,7 @@
           <a:p>
             <a:fld id="{48A87A34-81AB-432B-8DAE-1953F412C126}" type="datetimeFigureOut">
               <a:rPr lang="en-US" dirty="0"/>
-              <a:t>10/21/2020</a:t>
+              <a:t>10/22/2020</a:t>
             </a:fld>
             <a:endParaRPr lang="en-US" dirty="0"/>
           </a:p>
@@ -5553,7 +5638,7 @@
           <a:p>
             <a:fld id="{48A87A34-81AB-432B-8DAE-1953F412C126}" type="datetimeFigureOut">
               <a:rPr lang="en-US" dirty="0"/>
-              <a:t>10/21/2020</a:t>
+              <a:t>10/22/2020</a:t>
             </a:fld>
             <a:endParaRPr lang="en-US" dirty="0"/>
           </a:p>
@@ -5744,7 +5829,7 @@
           <a:p>
             <a:fld id="{48A87A34-81AB-432B-8DAE-1953F412C126}" type="datetimeFigureOut">
               <a:rPr lang="en-US" dirty="0"/>
-              <a:t>10/21/2020</a:t>
+              <a:t>10/22/2020</a:t>
             </a:fld>
             <a:endParaRPr lang="en-US" dirty="0"/>
           </a:p>
@@ -6002,7 +6087,7 @@
           <a:p>
             <a:fld id="{48A87A34-81AB-432B-8DAE-1953F412C126}" type="datetimeFigureOut">
               <a:rPr lang="en-US" dirty="0"/>
-              <a:t>10/21/2020</a:t>
+              <a:t>10/22/2020</a:t>
             </a:fld>
             <a:endParaRPr lang="en-US" dirty="0"/>
           </a:p>
@@ -6431,7 +6516,7 @@
           <a:p>
             <a:fld id="{48A87A34-81AB-432B-8DAE-1953F412C126}" type="datetimeFigureOut">
               <a:rPr lang="en-US" dirty="0"/>
-              <a:t>10/21/2020</a:t>
+              <a:t>10/22/2020</a:t>
             </a:fld>
             <a:endParaRPr lang="en-US" dirty="0"/>
           </a:p>
@@ -6972,7 +7057,7 @@
           <a:p>
             <a:fld id="{48A87A34-81AB-432B-8DAE-1953F412C126}" type="datetimeFigureOut">
               <a:rPr lang="en-US" dirty="0"/>
-              <a:t>10/21/2020</a:t>
+              <a:t>10/22/2020</a:t>
             </a:fld>
             <a:endParaRPr lang="en-US" dirty="0"/>
           </a:p>
@@ -7687,7 +7772,7 @@
           <a:p>
             <a:fld id="{48A87A34-81AB-432B-8DAE-1953F412C126}" type="datetimeFigureOut">
               <a:rPr lang="en-US" dirty="0"/>
-              <a:t>10/21/2020</a:t>
+              <a:t>10/22/2020</a:t>
             </a:fld>
             <a:endParaRPr lang="en-US" dirty="0"/>
           </a:p>
@@ -7852,7 +7937,7 @@
           <a:p>
             <a:fld id="{48A87A34-81AB-432B-8DAE-1953F412C126}" type="datetimeFigureOut">
               <a:rPr lang="en-US" dirty="0"/>
-              <a:t>10/21/2020</a:t>
+              <a:t>10/22/2020</a:t>
             </a:fld>
             <a:endParaRPr lang="en-US" dirty="0"/>
           </a:p>
@@ -8027,7 +8112,7 @@
           <a:p>
             <a:fld id="{48A87A34-81AB-432B-8DAE-1953F412C126}" type="datetimeFigureOut">
               <a:rPr lang="en-US" dirty="0"/>
-              <a:t>10/21/2020</a:t>
+              <a:t>10/22/2020</a:t>
             </a:fld>
             <a:endParaRPr lang="en-US" dirty="0"/>
           </a:p>
@@ -8192,7 +8277,7 @@
           <a:p>
             <a:fld id="{48A87A34-81AB-432B-8DAE-1953F412C126}" type="datetimeFigureOut">
               <a:rPr lang="en-US" dirty="0"/>
-              <a:t>10/21/2020</a:t>
+              <a:t>10/22/2020</a:t>
             </a:fld>
             <a:endParaRPr lang="en-US" dirty="0"/>
           </a:p>
@@ -8437,7 +8522,7 @@
           <a:p>
             <a:fld id="{48A87A34-81AB-432B-8DAE-1953F412C126}" type="datetimeFigureOut">
               <a:rPr lang="en-US" dirty="0"/>
-              <a:t>10/21/2020</a:t>
+              <a:t>10/22/2020</a:t>
             </a:fld>
             <a:endParaRPr lang="en-US" dirty="0"/>
           </a:p>
@@ -8664,7 +8749,7 @@
           <a:p>
             <a:fld id="{48A87A34-81AB-432B-8DAE-1953F412C126}" type="datetimeFigureOut">
               <a:rPr lang="en-US" dirty="0"/>
-              <a:t>10/21/2020</a:t>
+              <a:t>10/22/2020</a:t>
             </a:fld>
             <a:endParaRPr lang="en-US" dirty="0"/>
           </a:p>
@@ -9040,7 +9125,7 @@
           <a:p>
             <a:fld id="{48A87A34-81AB-432B-8DAE-1953F412C126}" type="datetimeFigureOut">
               <a:rPr lang="en-US" dirty="0"/>
-              <a:t>10/21/2020</a:t>
+              <a:t>10/22/2020</a:t>
             </a:fld>
             <a:endParaRPr lang="en-US" dirty="0"/>
           </a:p>
@@ -9153,7 +9238,7 @@
           <a:p>
             <a:fld id="{48A87A34-81AB-432B-8DAE-1953F412C126}" type="datetimeFigureOut">
               <a:rPr lang="en-US" dirty="0"/>
-              <a:t>10/21/2020</a:t>
+              <a:t>10/22/2020</a:t>
             </a:fld>
             <a:endParaRPr lang="en-US" dirty="0"/>
           </a:p>
@@ -9243,7 +9328,7 @@
           <a:p>
             <a:fld id="{48A87A34-81AB-432B-8DAE-1953F412C126}" type="datetimeFigureOut">
               <a:rPr lang="en-US" dirty="0"/>
-              <a:t>10/21/2020</a:t>
+              <a:t>10/22/2020</a:t>
             </a:fld>
             <a:endParaRPr lang="en-US" dirty="0"/>
           </a:p>
@@ -9487,7 +9572,7 @@
           <a:p>
             <a:fld id="{48A87A34-81AB-432B-8DAE-1953F412C126}" type="datetimeFigureOut">
               <a:rPr lang="en-US" dirty="0"/>
-              <a:t>10/21/2020</a:t>
+              <a:t>10/22/2020</a:t>
             </a:fld>
             <a:endParaRPr lang="en-US" dirty="0"/>
           </a:p>
@@ -9762,7 +9847,7 @@
           <a:p>
             <a:fld id="{48A87A34-81AB-432B-8DAE-1953F412C126}" type="datetimeFigureOut">
               <a:rPr lang="en-US" dirty="0"/>
-              <a:t>10/21/2020</a:t>
+              <a:t>10/22/2020</a:t>
             </a:fld>
             <a:endParaRPr lang="en-US" dirty="0"/>
           </a:p>
@@ -12825,7 +12910,7 @@
             <a:fld id="{48A87A34-81AB-432B-8DAE-1953F412C126}" type="datetimeFigureOut">
               <a:rPr lang="en-US" dirty="0"/>
               <a:pPr/>
-              <a:t>10/21/2020</a:t>
+              <a:t>10/22/2020</a:t>
             </a:fld>
             <a:endParaRPr lang="en-US" dirty="0"/>
           </a:p>
@@ -13357,6 +13442,90 @@
           <p:cNvPr id="2" name="Title 1">
             <a:extLst>
               <a:ext uri="{FF2B5EF4-FFF2-40B4-BE49-F238E27FC236}">
+                <a16:creationId xmlns:a16="http://schemas.microsoft.com/office/drawing/2014/main" id="{C61370D9-0485-4B39-97BA-37158E110AB3}"/>
+              </a:ext>
+            </a:extLst>
+          </p:cNvPr>
+          <p:cNvSpPr>
+            <a:spLocks noGrp="1"/>
+          </p:cNvSpPr>
+          <p:nvPr>
+            <p:ph type="title"/>
+          </p:nvPr>
+        </p:nvSpPr>
+        <p:spPr/>
+        <p:txBody>
+          <a:bodyPr/>
+          <a:lstStyle/>
+          <a:p>
+            <a:endParaRPr lang="en-AU"/>
+          </a:p>
+        </p:txBody>
+      </p:sp>
+      <p:pic>
+        <p:nvPicPr>
+          <p:cNvPr id="5" name="Content Placeholder 4">
+            <a:extLst>
+              <a:ext uri="{FF2B5EF4-FFF2-40B4-BE49-F238E27FC236}">
+                <a16:creationId xmlns:a16="http://schemas.microsoft.com/office/drawing/2014/main" id="{2DC742B0-4931-4433-B5E0-2B59BD872C37}"/>
+              </a:ext>
+            </a:extLst>
+          </p:cNvPr>
+          <p:cNvPicPr>
+            <a:picLocks noGrp="1" noChangeAspect="1"/>
+          </p:cNvPicPr>
+          <p:nvPr>
+            <p:ph idx="1"/>
+          </p:nvPr>
+        </p:nvPicPr>
+        <p:blipFill>
+          <a:blip r:embed="rId3"/>
+          <a:stretch>
+            <a:fillRect/>
+          </a:stretch>
+        </p:blipFill>
+        <p:spPr>
+          <a:xfrm>
+            <a:off x="1363648" y="213064"/>
+            <a:ext cx="9683763" cy="5498237"/>
+          </a:xfrm>
+        </p:spPr>
+      </p:pic>
+    </p:spTree>
+    <p:extLst>
+      <p:ext uri="{BB962C8B-B14F-4D97-AF65-F5344CB8AC3E}">
+        <p14:creationId xmlns:p14="http://schemas.microsoft.com/office/powerpoint/2010/main" val="415037501"/>
+      </p:ext>
+    </p:extLst>
+  </p:cSld>
+  <p:clrMapOvr>
+    <a:masterClrMapping/>
+  </p:clrMapOvr>
+</p:sld>
+</file>
+
+<file path=ppt/slides/slide11.xml><?xml version="1.0" encoding="utf-8"?>
+<p:sld xmlns:a="http://schemas.openxmlformats.org/drawingml/2006/main" xmlns:r="http://schemas.openxmlformats.org/officeDocument/2006/relationships" xmlns:p="http://schemas.openxmlformats.org/presentationml/2006/main">
+  <p:cSld>
+    <p:spTree>
+      <p:nvGrpSpPr>
+        <p:cNvPr id="1" name=""/>
+        <p:cNvGrpSpPr/>
+        <p:nvPr/>
+      </p:nvGrpSpPr>
+      <p:grpSpPr>
+        <a:xfrm>
+          <a:off x="0" y="0"/>
+          <a:ext cx="0" cy="0"/>
+          <a:chOff x="0" y="0"/>
+          <a:chExt cx="0" cy="0"/>
+        </a:xfrm>
+      </p:grpSpPr>
+      <p:sp>
+        <p:nvSpPr>
+          <p:cNvPr id="2" name="Title 1">
+            <a:extLst>
+              <a:ext uri="{FF2B5EF4-FFF2-40B4-BE49-F238E27FC236}">
                 <a16:creationId xmlns:a16="http://schemas.microsoft.com/office/drawing/2014/main" id="{A660F86A-0F4D-42A6-B265-03B7BBF1DCA9}"/>
               </a:ext>
             </a:extLst>
@@ -13419,7 +13588,7 @@
 </p:sld>
 </file>
 
-<file path=ppt/slides/slide11.xml><?xml version="1.0" encoding="utf-8"?>
+<file path=ppt/slides/slide12.xml><?xml version="1.0" encoding="utf-8"?>
 <p:sld xmlns:a="http://schemas.openxmlformats.org/drawingml/2006/main" xmlns:r="http://schemas.openxmlformats.org/officeDocument/2006/relationships" xmlns:p="http://schemas.openxmlformats.org/presentationml/2006/main">
   <p:cSld>
     <p:spTree>
@@ -13867,7 +14036,7 @@
 </p:sld>
 </file>
 
-<file path=ppt/slides/slide12.xml><?xml version="1.0" encoding="utf-8"?>
+<file path=ppt/slides/slide13.xml><?xml version="1.0" encoding="utf-8"?>
 <p:sld xmlns:a="http://schemas.openxmlformats.org/drawingml/2006/main" xmlns:r="http://schemas.openxmlformats.org/officeDocument/2006/relationships" xmlns:p="http://schemas.openxmlformats.org/presentationml/2006/main">
   <p:cSld>
     <p:spTree>
@@ -14078,7 +14247,7 @@
 </p:sld>
 </file>
 
-<file path=ppt/slides/slide13.xml><?xml version="1.0" encoding="utf-8"?>
+<file path=ppt/slides/slide14.xml><?xml version="1.0" encoding="utf-8"?>
 <p:sld xmlns:a="http://schemas.openxmlformats.org/drawingml/2006/main" xmlns:r="http://schemas.openxmlformats.org/officeDocument/2006/relationships" xmlns:p="http://schemas.openxmlformats.org/presentationml/2006/main">
   <p:cSld>
     <p:spTree>
@@ -14205,7 +14374,7 @@
 </p:sld>
 </file>
 
-<file path=ppt/slides/slide14.xml><?xml version="1.0" encoding="utf-8"?>
+<file path=ppt/slides/slide15.xml><?xml version="1.0" encoding="utf-8"?>
 <p:sld xmlns:a="http://schemas.openxmlformats.org/drawingml/2006/main" xmlns:r="http://schemas.openxmlformats.org/officeDocument/2006/relationships" xmlns:p="http://schemas.openxmlformats.org/presentationml/2006/main">
   <p:cSld>
     <p:spTree>
@@ -14297,7 +14466,7 @@
 </p:sld>
 </file>
 
-<file path=ppt/slides/slide15.xml><?xml version="1.0" encoding="utf-8"?>
+<file path=ppt/slides/slide16.xml><?xml version="1.0" encoding="utf-8"?>
 <p:sld xmlns:a="http://schemas.openxmlformats.org/drawingml/2006/main" xmlns:r="http://schemas.openxmlformats.org/officeDocument/2006/relationships" xmlns:p="http://schemas.openxmlformats.org/presentationml/2006/main">
   <p:cSld>
     <p:spTree>
@@ -14412,7 +14581,7 @@
 </p:sld>
 </file>
 
-<file path=ppt/slides/slide16.xml><?xml version="1.0" encoding="utf-8"?>
+<file path=ppt/slides/slide17.xml><?xml version="1.0" encoding="utf-8"?>
 <p:sld xmlns:a="http://schemas.openxmlformats.org/drawingml/2006/main" xmlns:r="http://schemas.openxmlformats.org/officeDocument/2006/relationships" xmlns:p="http://schemas.openxmlformats.org/presentationml/2006/main">
   <p:cSld>
     <p:spTree>
@@ -14598,7 +14767,7 @@
 </p:sld>
 </file>
 
-<file path=ppt/slides/slide17.xml><?xml version="1.0" encoding="utf-8"?>
+<file path=ppt/slides/slide18.xml><?xml version="1.0" encoding="utf-8"?>
 <p:sld xmlns:a="http://schemas.openxmlformats.org/drawingml/2006/main" xmlns:r="http://schemas.openxmlformats.org/officeDocument/2006/relationships" xmlns:p="http://schemas.openxmlformats.org/presentationml/2006/main">
   <p:cSld>
     <p:spTree>
@@ -14631,7 +14800,12 @@
             <p:ph type="title"/>
           </p:nvPr>
         </p:nvSpPr>
-        <p:spPr/>
+        <p:spPr>
+          <a:xfrm>
+            <a:off x="1157069" y="14068"/>
+            <a:ext cx="9905998" cy="1478570"/>
+          </a:xfrm>
+        </p:spPr>
         <p:txBody>
           <a:bodyPr/>
           <a:lstStyle/>
@@ -14659,9 +14833,16 @@
             <p:ph idx="1"/>
           </p:nvPr>
         </p:nvSpPr>
-        <p:spPr/>
+        <p:spPr>
+          <a:xfrm>
+            <a:off x="1143001" y="1252025"/>
+            <a:ext cx="9905999" cy="4637650"/>
+          </a:xfrm>
+        </p:spPr>
         <p:txBody>
-          <a:bodyPr/>
+          <a:bodyPr>
+            <a:normAutofit lnSpcReduction="10000"/>
+          </a:bodyPr>
           <a:lstStyle/>
           <a:p>
             <a:r>
@@ -14695,6 +14876,69 @@
               </a:rPr>
               <a:t>https://nceas.github.io/training-git-intro/getting-started-with-git-rstudio.html#1_introduction_to_version_control_concepts</a:t>
             </a:r>
+            <a:endParaRPr lang="en-AU" dirty="0"/>
+          </a:p>
+          <a:p>
+            <a:r>
+              <a:rPr lang="en-AU" dirty="0"/>
+              <a:t>Some other resources:</a:t>
+            </a:r>
+          </a:p>
+          <a:p>
+            <a:pPr marL="0" indent="0">
+              <a:buNone/>
+            </a:pPr>
+            <a:r>
+              <a:rPr lang="en-AU" dirty="0"/>
+              <a:t>  </a:t>
+            </a:r>
+            <a:r>
+              <a:rPr lang="en-AU" dirty="0">
+                <a:hlinkClick r:id="rId4"/>
+              </a:rPr>
+              <a:t>https://r-bio.github.io/intro-git-rstudio/</a:t>
+            </a:r>
+            <a:r>
+              <a:rPr lang="en-AU" dirty="0"/>
+              <a:t> </a:t>
+            </a:r>
+          </a:p>
+          <a:p>
+            <a:pPr marL="0" indent="0">
+              <a:buNone/>
+            </a:pPr>
+            <a:r>
+              <a:rPr lang="en-AU" dirty="0"/>
+              <a:t>  </a:t>
+            </a:r>
+            <a:r>
+              <a:rPr lang="en-AU" dirty="0">
+                <a:hlinkClick r:id="rId5"/>
+              </a:rPr>
+              <a:t>https://guides.github.com/introduction/git-handbook/</a:t>
+            </a:r>
+            <a:endParaRPr lang="en-AU" dirty="0"/>
+          </a:p>
+          <a:p>
+            <a:pPr marL="0" indent="0">
+              <a:buNone/>
+            </a:pPr>
+            <a:r>
+              <a:rPr lang="en-AU" dirty="0"/>
+              <a:t>  </a:t>
+            </a:r>
+            <a:r>
+              <a:rPr lang="en-AU" dirty="0">
+                <a:hlinkClick r:id="rId6"/>
+              </a:rPr>
+              <a:t>https://guides.github.com/activities/hello-world/</a:t>
+            </a:r>
+            <a:endParaRPr lang="en-AU" dirty="0"/>
+          </a:p>
+          <a:p>
+            <a:pPr marL="0" indent="0">
+              <a:buNone/>
+            </a:pPr>
             <a:endParaRPr lang="en-AU" dirty="0"/>
           </a:p>
           <a:p>
